--- a/06_grafos/ejercicios/clase09_ejercicio_2/ejercicio_2.pptx
+++ b/06_grafos/ejercicios/clase09_ejercicio_2/ejercicio_2.pptx
@@ -3365,7 +3365,7 @@
           <a:p>
             <a:fld id="{42F65DB8-71ED-4A6F-AD31-0446BA25825C}" type="datetimeFigureOut">
               <a:rPr lang="es-AR" smtClean="0"/>
-              <a:t>2/4/2021</a:t>
+              <a:t>15/6/2022</a:t>
             </a:fld>
             <a:endParaRPr lang="es-AR"/>
           </a:p>
@@ -4865,10 +4865,9 @@
               <a:buNone/>
             </a:pPr>
             <a:r>
-              <a:rPr lang="en" sz="2070" dirty="0"/>
-              <a:t>Investigación Operativa UTN FRBA 2020</a:t>
+              <a:rPr lang="es-AR" sz="2070" dirty="0"/>
+              <a:t>Investigación Operativa UTN FRBA 2022</a:t>
             </a:r>
-            <a:endParaRPr sz="2070" dirty="0"/>
           </a:p>
           <a:p>
             <a:pPr marL="0" lvl="0" indent="0" algn="l" rtl="0">
@@ -4886,10 +4885,9 @@
               <a:buNone/>
             </a:pPr>
             <a:r>
-              <a:rPr lang="en" sz="2070" dirty="0"/>
-              <a:t>Curso: I4051</a:t>
+              <a:rPr lang="es-AR" sz="2070" dirty="0"/>
+              <a:t>Curso: I4051 (Palazzo)</a:t>
             </a:r>
-            <a:endParaRPr sz="2070" dirty="0"/>
           </a:p>
           <a:p>
             <a:pPr marL="0" lvl="0" indent="0" algn="l" rtl="0">
@@ -4907,31 +4905,10 @@
               <a:buNone/>
             </a:pPr>
             <a:r>
-              <a:rPr lang="en" sz="2070" dirty="0"/>
-              <a:t>Elaborado por: Rodrigo Maranzana</a:t>
+              <a:rPr lang="es-AR" sz="2070" dirty="0"/>
+              <a:t>Docente: Rodrigo Maranzana</a:t>
             </a:r>
-            <a:endParaRPr sz="2070" dirty="0"/>
-          </a:p>
-          <a:p>
-            <a:pPr marL="0" lvl="0" indent="0" algn="l" rtl="0">
-              <a:spcBef>
-                <a:spcPts val="0"/>
-              </a:spcBef>
-              <a:spcAft>
-                <a:spcPts val="0"/>
-              </a:spcAft>
-              <a:buClr>
-                <a:schemeClr val="dk2"/>
-              </a:buClr>
-              <a:buSzPts val="2070"/>
-              <a:buFont typeface="Arial"/>
-              <a:buNone/>
-            </a:pPr>
-            <a:r>
-              <a:rPr lang="en" sz="2070" dirty="0"/>
-              <a:t>Docente: Martín Palazzo</a:t>
-            </a:r>
-            <a:endParaRPr dirty="0">
+            <a:endParaRPr lang="es-AR" sz="2400" dirty="0">
               <a:latin typeface="Helvetica Neue"/>
               <a:ea typeface="Helvetica Neue"/>
               <a:cs typeface="Helvetica Neue"/>
@@ -11114,8 +11091,8 @@
           </a:prstGeom>
         </p:spPr>
       </p:pic>
-      <mc:AlternateContent xmlns:mc="http://schemas.openxmlformats.org/markup-compatibility/2006">
-        <mc:Choice xmlns:a14="http://schemas.microsoft.com/office/drawing/2010/main" Requires="a14">
+      <mc:AlternateContent xmlns:mc="http://schemas.openxmlformats.org/markup-compatibility/2006" xmlns:a14="http://schemas.microsoft.com/office/drawing/2010/main">
+        <mc:Choice Requires="a14">
           <p:graphicFrame>
             <p:nvGraphicFramePr>
               <p:cNvPr id="11" name="Tabla 11">
@@ -11443,7 +11420,7 @@
             </a:graphic>
           </p:graphicFrame>
         </mc:Choice>
-        <mc:Fallback>
+        <mc:Fallback xmlns="">
           <p:graphicFrame>
             <p:nvGraphicFramePr>
               <p:cNvPr id="11" name="Tabla 11">
@@ -12289,8 +12266,8 @@
           </a:prstGeom>
         </p:spPr>
       </p:pic>
-      <mc:AlternateContent xmlns:mc="http://schemas.openxmlformats.org/markup-compatibility/2006">
-        <mc:Choice xmlns:a14="http://schemas.microsoft.com/office/drawing/2010/main" Requires="a14">
+      <mc:AlternateContent xmlns:mc="http://schemas.openxmlformats.org/markup-compatibility/2006" xmlns:a14="http://schemas.microsoft.com/office/drawing/2010/main">
+        <mc:Choice Requires="a14">
           <p:graphicFrame>
             <p:nvGraphicFramePr>
               <p:cNvPr id="11" name="Tabla 11">
@@ -12695,7 +12672,7 @@
             </a:graphic>
           </p:graphicFrame>
         </mc:Choice>
-        <mc:Fallback>
+        <mc:Fallback xmlns="">
           <p:graphicFrame>
             <p:nvGraphicFramePr>
               <p:cNvPr id="11" name="Tabla 11">
@@ -13441,8 +13418,8 @@
           </a:prstGeom>
         </p:spPr>
       </p:pic>
-      <mc:AlternateContent xmlns:mc="http://schemas.openxmlformats.org/markup-compatibility/2006">
-        <mc:Choice xmlns:a14="http://schemas.microsoft.com/office/drawing/2010/main" Requires="a14">
+      <mc:AlternateContent xmlns:mc="http://schemas.openxmlformats.org/markup-compatibility/2006" xmlns:a14="http://schemas.microsoft.com/office/drawing/2010/main">
+        <mc:Choice Requires="a14">
           <p:graphicFrame>
             <p:nvGraphicFramePr>
               <p:cNvPr id="11" name="Tabla 11">
@@ -13924,7 +13901,7 @@
             </a:graphic>
           </p:graphicFrame>
         </mc:Choice>
-        <mc:Fallback>
+        <mc:Fallback xmlns="">
           <p:graphicFrame>
             <p:nvGraphicFramePr>
               <p:cNvPr id="11" name="Tabla 11">
@@ -14748,8 +14725,8 @@
           </a:prstGeom>
         </p:spPr>
       </p:pic>
-      <mc:AlternateContent xmlns:mc="http://schemas.openxmlformats.org/markup-compatibility/2006">
-        <mc:Choice xmlns:a14="http://schemas.microsoft.com/office/drawing/2010/main" Requires="a14">
+      <mc:AlternateContent xmlns:mc="http://schemas.openxmlformats.org/markup-compatibility/2006" xmlns:a14="http://schemas.microsoft.com/office/drawing/2010/main">
+        <mc:Choice Requires="a14">
           <p:graphicFrame>
             <p:nvGraphicFramePr>
               <p:cNvPr id="11" name="Tabla 11">
@@ -15308,7 +15285,7 @@
             </a:graphic>
           </p:graphicFrame>
         </mc:Choice>
-        <mc:Fallback>
+        <mc:Fallback xmlns="">
           <p:graphicFrame>
             <p:nvGraphicFramePr>
               <p:cNvPr id="11" name="Tabla 11">
@@ -16208,8 +16185,8 @@
           </a:prstGeom>
         </p:spPr>
       </p:pic>
-      <mc:AlternateContent xmlns:mc="http://schemas.openxmlformats.org/markup-compatibility/2006">
-        <mc:Choice xmlns:a14="http://schemas.microsoft.com/office/drawing/2010/main" Requires="a14">
+      <mc:AlternateContent xmlns:mc="http://schemas.openxmlformats.org/markup-compatibility/2006" xmlns:a14="http://schemas.microsoft.com/office/drawing/2010/main">
+        <mc:Choice Requires="a14">
           <p:graphicFrame>
             <p:nvGraphicFramePr>
               <p:cNvPr id="11" name="Tabla 11">
@@ -16845,7 +16822,7 @@
             </a:graphic>
           </p:graphicFrame>
         </mc:Choice>
-        <mc:Fallback>
+        <mc:Fallback xmlns="">
           <p:graphicFrame>
             <p:nvGraphicFramePr>
               <p:cNvPr id="11" name="Tabla 11">
@@ -17822,8 +17799,8 @@
           </a:prstGeom>
         </p:spPr>
       </p:pic>
-      <mc:AlternateContent xmlns:mc="http://schemas.openxmlformats.org/markup-compatibility/2006">
-        <mc:Choice xmlns:a14="http://schemas.microsoft.com/office/drawing/2010/main" Requires="a14">
+      <mc:AlternateContent xmlns:mc="http://schemas.openxmlformats.org/markup-compatibility/2006" xmlns:a14="http://schemas.microsoft.com/office/drawing/2010/main">
+        <mc:Choice Requires="a14">
           <p:graphicFrame>
             <p:nvGraphicFramePr>
               <p:cNvPr id="11" name="Tabla 11">
@@ -18536,7 +18513,7 @@
             </a:graphic>
           </p:graphicFrame>
         </mc:Choice>
-        <mc:Fallback>
+        <mc:Fallback xmlns="">
           <p:graphicFrame>
             <p:nvGraphicFramePr>
               <p:cNvPr id="11" name="Tabla 11">
@@ -19590,8 +19567,8 @@
           </a:prstGeom>
         </p:spPr>
       </p:pic>
-      <mc:AlternateContent xmlns:mc="http://schemas.openxmlformats.org/markup-compatibility/2006">
-        <mc:Choice xmlns:a14="http://schemas.microsoft.com/office/drawing/2010/main" Requires="a14">
+      <mc:AlternateContent xmlns:mc="http://schemas.openxmlformats.org/markup-compatibility/2006" xmlns:a14="http://schemas.microsoft.com/office/drawing/2010/main">
+        <mc:Choice Requires="a14">
           <p:graphicFrame>
             <p:nvGraphicFramePr>
               <p:cNvPr id="11" name="Tabla 11">
@@ -20381,7 +20358,7 @@
             </a:graphic>
           </p:graphicFrame>
         </mc:Choice>
-        <mc:Fallback>
+        <mc:Fallback xmlns="">
           <p:graphicFrame>
             <p:nvGraphicFramePr>
               <p:cNvPr id="11" name="Tabla 11">
@@ -21512,8 +21489,8 @@
           </a:prstGeom>
         </p:spPr>
       </p:pic>
-      <mc:AlternateContent xmlns:mc="http://schemas.openxmlformats.org/markup-compatibility/2006">
-        <mc:Choice xmlns:a14="http://schemas.microsoft.com/office/drawing/2010/main" Requires="a14">
+      <mc:AlternateContent xmlns:mc="http://schemas.openxmlformats.org/markup-compatibility/2006" xmlns:a14="http://schemas.microsoft.com/office/drawing/2010/main">
+        <mc:Choice Requires="a14">
           <p:graphicFrame>
             <p:nvGraphicFramePr>
               <p:cNvPr id="11" name="Tabla 11">
@@ -22380,7 +22357,7 @@
             </a:graphic>
           </p:graphicFrame>
         </mc:Choice>
-        <mc:Fallback>
+        <mc:Fallback xmlns="">
           <p:graphicFrame>
             <p:nvGraphicFramePr>
               <p:cNvPr id="11" name="Tabla 11">
@@ -23588,8 +23565,8 @@
           </a:prstGeom>
         </p:spPr>
       </p:pic>
-      <mc:AlternateContent xmlns:mc="http://schemas.openxmlformats.org/markup-compatibility/2006">
-        <mc:Choice xmlns:a14="http://schemas.microsoft.com/office/drawing/2010/main" Requires="a14">
+      <mc:AlternateContent xmlns:mc="http://schemas.openxmlformats.org/markup-compatibility/2006" xmlns:a14="http://schemas.microsoft.com/office/drawing/2010/main">
+        <mc:Choice Requires="a14">
           <p:graphicFrame>
             <p:nvGraphicFramePr>
               <p:cNvPr id="11" name="Tabla 11">
@@ -24533,7 +24510,7 @@
             </a:graphic>
           </p:graphicFrame>
         </mc:Choice>
-        <mc:Fallback>
+        <mc:Fallback xmlns="">
           <p:graphicFrame>
             <p:nvGraphicFramePr>
               <p:cNvPr id="11" name="Tabla 11">
@@ -25818,8 +25795,8 @@
           </a:prstGeom>
         </p:spPr>
       </p:pic>
-      <mc:AlternateContent xmlns:mc="http://schemas.openxmlformats.org/markup-compatibility/2006">
-        <mc:Choice xmlns:a14="http://schemas.microsoft.com/office/drawing/2010/main" Requires="a14">
+      <mc:AlternateContent xmlns:mc="http://schemas.openxmlformats.org/markup-compatibility/2006" xmlns:a14="http://schemas.microsoft.com/office/drawing/2010/main">
+        <mc:Choice Requires="a14">
           <p:graphicFrame>
             <p:nvGraphicFramePr>
               <p:cNvPr id="11" name="Tabla 11">
@@ -26840,7 +26817,7 @@
             </a:graphic>
           </p:graphicFrame>
         </mc:Choice>
-        <mc:Fallback>
+        <mc:Fallback xmlns="">
           <p:graphicFrame>
             <p:nvGraphicFramePr>
               <p:cNvPr id="11" name="Tabla 11">
@@ -28202,8 +28179,8 @@
           </a:prstGeom>
         </p:spPr>
       </p:pic>
-      <mc:AlternateContent xmlns:mc="http://schemas.openxmlformats.org/markup-compatibility/2006">
-        <mc:Choice xmlns:a14="http://schemas.microsoft.com/office/drawing/2010/main" Requires="a14">
+      <mc:AlternateContent xmlns:mc="http://schemas.openxmlformats.org/markup-compatibility/2006" xmlns:a14="http://schemas.microsoft.com/office/drawing/2010/main">
+        <mc:Choice Requires="a14">
           <p:graphicFrame>
             <p:nvGraphicFramePr>
               <p:cNvPr id="11" name="Tabla 11">
@@ -29304,7 +29281,7 @@
             </a:graphic>
           </p:graphicFrame>
         </mc:Choice>
-        <mc:Fallback>
+        <mc:Fallback xmlns="">
           <p:graphicFrame>
             <p:nvGraphicFramePr>
               <p:cNvPr id="11" name="Tabla 11">

--- a/06_grafos/ejercicios/clase09_ejercicio_2/ejercicio_2.pptx
+++ b/06_grafos/ejercicios/clase09_ejercicio_2/ejercicio_2.pptx
@@ -7221,7 +7221,7 @@
         </p:nvSpPr>
         <p:spPr>
           <a:xfrm>
-            <a:off x="67137" y="4779486"/>
+            <a:off x="68502" y="4426969"/>
             <a:ext cx="2731694" cy="669414"/>
           </a:xfrm>
           <a:prstGeom prst="rect">
@@ -8658,7 +8658,7 @@
         </p:nvSpPr>
         <p:spPr>
           <a:xfrm>
-            <a:off x="67137" y="4779486"/>
+            <a:off x="0" y="4474086"/>
             <a:ext cx="2731694" cy="669414"/>
           </a:xfrm>
           <a:prstGeom prst="rect">
@@ -10121,7 +10121,7 @@
         </p:nvSpPr>
         <p:spPr>
           <a:xfrm>
-            <a:off x="67137" y="4779486"/>
+            <a:off x="68502" y="4486816"/>
             <a:ext cx="2731694" cy="669414"/>
           </a:xfrm>
           <a:prstGeom prst="rect">
@@ -32029,7 +32029,7 @@
         </p:nvSpPr>
         <p:spPr>
           <a:xfrm>
-            <a:off x="67137" y="4779486"/>
+            <a:off x="88644" y="4390514"/>
             <a:ext cx="2731694" cy="669414"/>
           </a:xfrm>
           <a:prstGeom prst="rect">
@@ -33500,7 +33500,7 @@
         </p:nvSpPr>
         <p:spPr>
           <a:xfrm>
-            <a:off x="67137" y="4779486"/>
+            <a:off x="96031" y="4426969"/>
             <a:ext cx="2731694" cy="669414"/>
           </a:xfrm>
           <a:prstGeom prst="rect">
